--- a/27.pptx
+++ b/27.pptx
@@ -5,16 +5,17 @@
     <p:sldMasterId id="2147483648" r:id="rId1"/>
   </p:sldMasterIdLst>
   <p:notesMasterIdLst>
-    <p:notesMasterId r:id="rId9"/>
+    <p:notesMasterId r:id="rId10"/>
   </p:notesMasterIdLst>
   <p:sldIdLst>
     <p:sldId id="256" r:id="rId2"/>
     <p:sldId id="257" r:id="rId3"/>
     <p:sldId id="258" r:id="rId4"/>
-    <p:sldId id="259" r:id="rId5"/>
-    <p:sldId id="260" r:id="rId6"/>
-    <p:sldId id="261" r:id="rId7"/>
-    <p:sldId id="262" r:id="rId8"/>
+    <p:sldId id="263" r:id="rId5"/>
+    <p:sldId id="259" r:id="rId6"/>
+    <p:sldId id="260" r:id="rId7"/>
+    <p:sldId id="261" r:id="rId8"/>
+    <p:sldId id="262" r:id="rId9"/>
   </p:sldIdLst>
   <p:sldSz cx="12192000" cy="6858000"/>
   <p:notesSz cx="6858000" cy="9144000"/>
@@ -113,6 +114,11 @@
       </a:defRPr>
     </a:lvl9pPr>
   </p:defaultTextStyle>
+  <p:extLst>
+    <p:ext uri="{EFAFB233-063F-42B5-8137-9DF3F51BA10A}">
+      <p15:sldGuideLst xmlns:p15="http://schemas.microsoft.com/office/powerpoint/2012/main"/>
+    </p:ext>
+  </p:extLst>
 </p:presentation>
 </file>
 
@@ -696,7 +702,7 @@
           <a:p>
             <a:fld id="{0DC6AEA9-DF13-48EC-A497-AC95D490330C}" type="datetimeFigureOut">
               <a:rPr lang="zh-TW" altLang="en-US" smtClean="0"/>
-              <a:t>2023/8/14</a:t>
+              <a:t>2023/8/15</a:t>
             </a:fld>
             <a:endParaRPr lang="zh-TW" altLang="en-US"/>
           </a:p>
@@ -894,7 +900,7 @@
           <a:p>
             <a:fld id="{0DC6AEA9-DF13-48EC-A497-AC95D490330C}" type="datetimeFigureOut">
               <a:rPr lang="zh-TW" altLang="en-US" smtClean="0"/>
-              <a:t>2023/8/14</a:t>
+              <a:t>2023/8/15</a:t>
             </a:fld>
             <a:endParaRPr lang="zh-TW" altLang="en-US"/>
           </a:p>
@@ -1102,7 +1108,7 @@
           <a:p>
             <a:fld id="{0DC6AEA9-DF13-48EC-A497-AC95D490330C}" type="datetimeFigureOut">
               <a:rPr lang="zh-TW" altLang="en-US" smtClean="0"/>
-              <a:t>2023/8/14</a:t>
+              <a:t>2023/8/15</a:t>
             </a:fld>
             <a:endParaRPr lang="zh-TW" altLang="en-US"/>
           </a:p>
@@ -1300,7 +1306,7 @@
           <a:p>
             <a:fld id="{0DC6AEA9-DF13-48EC-A497-AC95D490330C}" type="datetimeFigureOut">
               <a:rPr lang="zh-TW" altLang="en-US" smtClean="0"/>
-              <a:t>2023/8/14</a:t>
+              <a:t>2023/8/15</a:t>
             </a:fld>
             <a:endParaRPr lang="zh-TW" altLang="en-US"/>
           </a:p>
@@ -1575,7 +1581,7 @@
           <a:p>
             <a:fld id="{0DC6AEA9-DF13-48EC-A497-AC95D490330C}" type="datetimeFigureOut">
               <a:rPr lang="zh-TW" altLang="en-US" smtClean="0"/>
-              <a:t>2023/8/14</a:t>
+              <a:t>2023/8/15</a:t>
             </a:fld>
             <a:endParaRPr lang="zh-TW" altLang="en-US"/>
           </a:p>
@@ -1840,7 +1846,7 @@
           <a:p>
             <a:fld id="{0DC6AEA9-DF13-48EC-A497-AC95D490330C}" type="datetimeFigureOut">
               <a:rPr lang="zh-TW" altLang="en-US" smtClean="0"/>
-              <a:t>2023/8/14</a:t>
+              <a:t>2023/8/15</a:t>
             </a:fld>
             <a:endParaRPr lang="zh-TW" altLang="en-US"/>
           </a:p>
@@ -2252,7 +2258,7 @@
           <a:p>
             <a:fld id="{0DC6AEA9-DF13-48EC-A497-AC95D490330C}" type="datetimeFigureOut">
               <a:rPr lang="zh-TW" altLang="en-US" smtClean="0"/>
-              <a:t>2023/8/14</a:t>
+              <a:t>2023/8/15</a:t>
             </a:fld>
             <a:endParaRPr lang="zh-TW" altLang="en-US"/>
           </a:p>
@@ -2393,7 +2399,7 @@
           <a:p>
             <a:fld id="{0DC6AEA9-DF13-48EC-A497-AC95D490330C}" type="datetimeFigureOut">
               <a:rPr lang="zh-TW" altLang="en-US" smtClean="0"/>
-              <a:t>2023/8/14</a:t>
+              <a:t>2023/8/15</a:t>
             </a:fld>
             <a:endParaRPr lang="zh-TW" altLang="en-US"/>
           </a:p>
@@ -2506,7 +2512,7 @@
           <a:p>
             <a:fld id="{0DC6AEA9-DF13-48EC-A497-AC95D490330C}" type="datetimeFigureOut">
               <a:rPr lang="zh-TW" altLang="en-US" smtClean="0"/>
-              <a:t>2023/8/14</a:t>
+              <a:t>2023/8/15</a:t>
             </a:fld>
             <a:endParaRPr lang="zh-TW" altLang="en-US"/>
           </a:p>
@@ -2817,7 +2823,7 @@
           <a:p>
             <a:fld id="{0DC6AEA9-DF13-48EC-A497-AC95D490330C}" type="datetimeFigureOut">
               <a:rPr lang="zh-TW" altLang="en-US" smtClean="0"/>
-              <a:t>2023/8/14</a:t>
+              <a:t>2023/8/15</a:t>
             </a:fld>
             <a:endParaRPr lang="zh-TW" altLang="en-US"/>
           </a:p>
@@ -3105,7 +3111,7 @@
           <a:p>
             <a:fld id="{0DC6AEA9-DF13-48EC-A497-AC95D490330C}" type="datetimeFigureOut">
               <a:rPr lang="zh-TW" altLang="en-US" smtClean="0"/>
-              <a:t>2023/8/14</a:t>
+              <a:t>2023/8/15</a:t>
             </a:fld>
             <a:endParaRPr lang="zh-TW" altLang="en-US"/>
           </a:p>
@@ -3346,7 +3352,7 @@
           <a:p>
             <a:fld id="{0DC6AEA9-DF13-48EC-A497-AC95D490330C}" type="datetimeFigureOut">
               <a:rPr lang="zh-TW" altLang="en-US" smtClean="0"/>
-              <a:t>2023/8/14</a:t>
+              <a:t>2023/8/15</a:t>
             </a:fld>
             <a:endParaRPr lang="zh-TW" altLang="en-US"/>
           </a:p>
@@ -4507,6 +4513,142 @@
           <p:cNvPr id="2" name="標題 1">
             <a:extLst>
               <a:ext uri="{FF2B5EF4-FFF2-40B4-BE49-F238E27FC236}">
+                <a16:creationId xmlns:a16="http://schemas.microsoft.com/office/drawing/2014/main" id="{3060F361-F797-AE52-D521-731FDAD82614}"/>
+              </a:ext>
+            </a:extLst>
+          </p:cNvPr>
+          <p:cNvSpPr>
+            <a:spLocks noGrp="1"/>
+          </p:cNvSpPr>
+          <p:nvPr>
+            <p:ph type="title"/>
+          </p:nvPr>
+        </p:nvSpPr>
+        <p:spPr/>
+        <p:txBody>
+          <a:bodyPr/>
+          <a:lstStyle/>
+          <a:p>
+            <a:r>
+              <a:rPr lang="zh-TW" altLang="en-US" dirty="0">
+                <a:latin typeface="標楷體" panose="03000509000000000000" pitchFamily="65" charset="-120"/>
+                <a:ea typeface="標楷體" panose="03000509000000000000" pitchFamily="65" charset="-120"/>
+              </a:rPr>
+              <a:t>測試資料集</a:t>
+            </a:r>
+          </a:p>
+        </p:txBody>
+      </p:sp>
+      <p:sp>
+        <p:nvSpPr>
+          <p:cNvPr id="3" name="內容版面配置區 2">
+            <a:extLst>
+              <a:ext uri="{FF2B5EF4-FFF2-40B4-BE49-F238E27FC236}">
+                <a16:creationId xmlns:a16="http://schemas.microsoft.com/office/drawing/2014/main" id="{08FDA176-4BF7-FA98-8346-7281E72C60BF}"/>
+              </a:ext>
+            </a:extLst>
+          </p:cNvPr>
+          <p:cNvSpPr>
+            <a:spLocks noGrp="1"/>
+          </p:cNvSpPr>
+          <p:nvPr>
+            <p:ph idx="1"/>
+          </p:nvPr>
+        </p:nvSpPr>
+        <p:spPr/>
+        <p:txBody>
+          <a:bodyPr/>
+          <a:lstStyle/>
+          <a:p>
+            <a:r>
+              <a:rPr lang="zh-TW" altLang="en-US" dirty="0">
+                <a:latin typeface="標楷體" panose="03000509000000000000" pitchFamily="65" charset="-120"/>
+                <a:ea typeface="標楷體" panose="03000509000000000000" pitchFamily="65" charset="-120"/>
+              </a:rPr>
+              <a:t>用了</a:t>
+            </a:r>
+            <a:r>
+              <a:rPr lang="en-US" altLang="zh-TW" dirty="0">
+                <a:latin typeface="標楷體" panose="03000509000000000000" pitchFamily="65" charset="-120"/>
+                <a:ea typeface="標楷體" panose="03000509000000000000" pitchFamily="65" charset="-120"/>
+              </a:rPr>
+              <a:t>59</a:t>
+            </a:r>
+            <a:r>
+              <a:rPr lang="zh-TW" altLang="en-US" dirty="0">
+                <a:latin typeface="標楷體" panose="03000509000000000000" pitchFamily="65" charset="-120"/>
+                <a:ea typeface="標楷體" panose="03000509000000000000" pitchFamily="65" charset="-120"/>
+              </a:rPr>
+              <a:t>張資料集做小規模測試</a:t>
+            </a:r>
+          </a:p>
+        </p:txBody>
+      </p:sp>
+      <p:pic>
+        <p:nvPicPr>
+          <p:cNvPr id="5" name="圖片 4">
+            <a:extLst>
+              <a:ext uri="{FF2B5EF4-FFF2-40B4-BE49-F238E27FC236}">
+                <a16:creationId xmlns:a16="http://schemas.microsoft.com/office/drawing/2014/main" id="{43073980-D2EC-E74A-E4F8-4CBFBA7F6AA3}"/>
+              </a:ext>
+            </a:extLst>
+          </p:cNvPr>
+          <p:cNvPicPr>
+            <a:picLocks noChangeAspect="1"/>
+          </p:cNvPicPr>
+          <p:nvPr/>
+        </p:nvPicPr>
+        <p:blipFill>
+          <a:blip r:embed="rId2"/>
+          <a:stretch>
+            <a:fillRect/>
+          </a:stretch>
+        </p:blipFill>
+        <p:spPr>
+          <a:xfrm>
+            <a:off x="461638" y="2532091"/>
+            <a:ext cx="11409070" cy="3194006"/>
+          </a:xfrm>
+          <a:prstGeom prst="rect">
+            <a:avLst/>
+          </a:prstGeom>
+        </p:spPr>
+      </p:pic>
+    </p:spTree>
+    <p:extLst>
+      <p:ext uri="{BB962C8B-B14F-4D97-AF65-F5344CB8AC3E}">
+        <p14:creationId xmlns:p14="http://schemas.microsoft.com/office/powerpoint/2010/main" val="1505999939"/>
+      </p:ext>
+    </p:extLst>
+  </p:cSld>
+  <p:clrMapOvr>
+    <a:masterClrMapping/>
+  </p:clrMapOvr>
+</p:sld>
+</file>
+
+<file path=ppt/slides/slide5.xml><?xml version="1.0" encoding="utf-8"?>
+<p:sld xmlns:a="http://schemas.openxmlformats.org/drawingml/2006/main" xmlns:r="http://schemas.openxmlformats.org/officeDocument/2006/relationships" xmlns:p="http://schemas.openxmlformats.org/presentationml/2006/main">
+  <p:cSld>
+    <p:spTree>
+      <p:nvGrpSpPr>
+        <p:cNvPr id="1" name=""/>
+        <p:cNvGrpSpPr/>
+        <p:nvPr/>
+      </p:nvGrpSpPr>
+      <p:grpSpPr>
+        <a:xfrm>
+          <a:off x="0" y="0"/>
+          <a:ext cx="0" cy="0"/>
+          <a:chOff x="0" y="0"/>
+          <a:chExt cx="0" cy="0"/>
+        </a:xfrm>
+      </p:grpSpPr>
+      <p:sp>
+        <p:nvSpPr>
+          <p:cNvPr id="2" name="標題 1">
+            <a:extLst>
+              <a:ext uri="{FF2B5EF4-FFF2-40B4-BE49-F238E27FC236}">
                 <a16:creationId xmlns:a16="http://schemas.microsoft.com/office/drawing/2014/main" id="{91626D5F-93FB-E4D2-0421-995800BF8754}"/>
               </a:ext>
             </a:extLst>
@@ -4605,7 +4747,7 @@
 </p:sld>
 </file>
 
-<file path=ppt/slides/slide5.xml><?xml version="1.0" encoding="utf-8"?>
+<file path=ppt/slides/slide6.xml><?xml version="1.0" encoding="utf-8"?>
 <p:sld xmlns:a="http://schemas.openxmlformats.org/drawingml/2006/main" xmlns:r="http://schemas.openxmlformats.org/officeDocument/2006/relationships" xmlns:p="http://schemas.openxmlformats.org/presentationml/2006/main">
   <p:cSld>
     <p:spTree>
@@ -4725,7 +4867,7 @@
 </p:sld>
 </file>
 
-<file path=ppt/slides/slide6.xml><?xml version="1.0" encoding="utf-8"?>
+<file path=ppt/slides/slide7.xml><?xml version="1.0" encoding="utf-8"?>
 <p:sld xmlns:a="http://schemas.openxmlformats.org/drawingml/2006/main" xmlns:r="http://schemas.openxmlformats.org/officeDocument/2006/relationships" xmlns:p="http://schemas.openxmlformats.org/presentationml/2006/main">
   <p:cSld>
     <p:spTree>
@@ -4839,7 +4981,7 @@
 </p:sld>
 </file>
 
-<file path=ppt/slides/slide7.xml><?xml version="1.0" encoding="utf-8"?>
+<file path=ppt/slides/slide8.xml><?xml version="1.0" encoding="utf-8"?>
 <p:sld xmlns:a="http://schemas.openxmlformats.org/drawingml/2006/main" xmlns:r="http://schemas.openxmlformats.org/officeDocument/2006/relationships" xmlns:p="http://schemas.openxmlformats.org/presentationml/2006/main">
   <p:cSld>
     <p:spTree>

--- a/27.pptx
+++ b/27.pptx
@@ -4159,7 +4159,7 @@
         </p:blipFill>
         <p:spPr>
           <a:xfrm>
-            <a:off x="742457" y="1690688"/>
+            <a:off x="626938" y="1615262"/>
             <a:ext cx="11073573" cy="2020178"/>
           </a:xfrm>
         </p:spPr>
@@ -4223,7 +4223,7 @@
         </p:blipFill>
         <p:spPr>
           <a:xfrm>
-            <a:off x="491489" y="4080198"/>
+            <a:off x="491489" y="3860034"/>
             <a:ext cx="11209022" cy="2018022"/>
           </a:xfrm>
           <a:prstGeom prst="rect">
@@ -4245,7 +4245,7 @@
         </p:nvCxnSpPr>
         <p:spPr>
           <a:xfrm flipV="1">
-            <a:off x="1580225" y="3213717"/>
+            <a:off x="1444423" y="3053918"/>
             <a:ext cx="0" cy="1038687"/>
           </a:xfrm>
           <a:prstGeom prst="line">
@@ -4288,8 +4288,8 @@
         </p:nvCxnSpPr>
         <p:spPr>
           <a:xfrm flipV="1">
-            <a:off x="3844031" y="3213717"/>
-            <a:ext cx="648070" cy="1038687"/>
+            <a:off x="3938257" y="3074360"/>
+            <a:ext cx="581004" cy="1296210"/>
           </a:xfrm>
           <a:prstGeom prst="line">
             <a:avLst/>
@@ -4331,8 +4331,8 @@
         </p:nvCxnSpPr>
         <p:spPr>
           <a:xfrm flipV="1">
-            <a:off x="6400800" y="3089429"/>
-            <a:ext cx="0" cy="1322773"/>
+            <a:off x="6096000" y="3009530"/>
+            <a:ext cx="173764" cy="1509204"/>
           </a:xfrm>
           <a:prstGeom prst="line">
             <a:avLst/>
@@ -4454,8 +4454,8 @@
         </p:nvSpPr>
         <p:spPr>
           <a:xfrm>
-            <a:off x="3810759" y="6098220"/>
-            <a:ext cx="4570482" cy="369332"/>
+            <a:off x="491489" y="5884913"/>
+            <a:ext cx="11264622" cy="923330"/>
           </a:xfrm>
           <a:prstGeom prst="rect">
             <a:avLst/>
@@ -4473,7 +4473,47 @@
                 <a:latin typeface="標楷體" panose="03000509000000000000" pitchFamily="65" charset="-120"/>
                 <a:ea typeface="標楷體" panose="03000509000000000000" pitchFamily="65" charset="-120"/>
               </a:rPr>
-              <a:t>這樣就可以減少因為自己每張手動畫的誤差</a:t>
+              <a:t>再畫其他八種錯誤姿勢時，只要複製貼上並調整到適合的大小，這樣就可以減少因為自己每張手動畫的誤差，</a:t>
+            </a:r>
+            <a:endParaRPr lang="en-US" altLang="zh-TW" dirty="0">
+              <a:latin typeface="標楷體" panose="03000509000000000000" pitchFamily="65" charset="-120"/>
+              <a:ea typeface="標楷體" panose="03000509000000000000" pitchFamily="65" charset="-120"/>
+            </a:endParaRPr>
+          </a:p>
+          <a:p>
+            <a:r>
+              <a:rPr lang="zh-TW" altLang="en-US" dirty="0">
+                <a:latin typeface="標楷體" panose="03000509000000000000" pitchFamily="65" charset="-120"/>
+                <a:ea typeface="標楷體" panose="03000509000000000000" pitchFamily="65" charset="-120"/>
+              </a:rPr>
+              <a:t>例如</a:t>
+            </a:r>
+            <a:r>
+              <a:rPr lang="en-US" altLang="zh-TW" dirty="0">
+                <a:latin typeface="標楷體" panose="03000509000000000000" pitchFamily="65" charset="-120"/>
+                <a:ea typeface="標楷體" panose="03000509000000000000" pitchFamily="65" charset="-120"/>
+              </a:rPr>
+              <a:t>:</a:t>
+            </a:r>
+            <a:r>
+              <a:rPr lang="zh-TW" altLang="en-US" dirty="0">
+                <a:latin typeface="標楷體" panose="03000509000000000000" pitchFamily="65" charset="-120"/>
+                <a:ea typeface="標楷體" panose="03000509000000000000" pitchFamily="65" charset="-120"/>
+              </a:rPr>
+              <a:t>都是一樣的站立姿勢，但我手工修正可能一張會畫成上圖最左邊，另一張被我畫成左二的樣子，</a:t>
+            </a:r>
+            <a:endParaRPr lang="en-US" altLang="zh-TW" dirty="0">
+              <a:latin typeface="標楷體" panose="03000509000000000000" pitchFamily="65" charset="-120"/>
+              <a:ea typeface="標楷體" panose="03000509000000000000" pitchFamily="65" charset="-120"/>
+            </a:endParaRPr>
+          </a:p>
+          <a:p>
+            <a:r>
+              <a:rPr lang="zh-TW" altLang="en-US" dirty="0">
+                <a:latin typeface="標楷體" panose="03000509000000000000" pitchFamily="65" charset="-120"/>
+                <a:ea typeface="標楷體" panose="03000509000000000000" pitchFamily="65" charset="-120"/>
+              </a:rPr>
+              <a:t>會使模型不好學習。</a:t>
             </a:r>
           </a:p>
         </p:txBody>
@@ -4508,82 +4548,6 @@
           <a:chExt cx="0" cy="0"/>
         </a:xfrm>
       </p:grpSpPr>
-      <p:sp>
-        <p:nvSpPr>
-          <p:cNvPr id="2" name="標題 1">
-            <a:extLst>
-              <a:ext uri="{FF2B5EF4-FFF2-40B4-BE49-F238E27FC236}">
-                <a16:creationId xmlns:a16="http://schemas.microsoft.com/office/drawing/2014/main" id="{3060F361-F797-AE52-D521-731FDAD82614}"/>
-              </a:ext>
-            </a:extLst>
-          </p:cNvPr>
-          <p:cNvSpPr>
-            <a:spLocks noGrp="1"/>
-          </p:cNvSpPr>
-          <p:nvPr>
-            <p:ph type="title"/>
-          </p:nvPr>
-        </p:nvSpPr>
-        <p:spPr/>
-        <p:txBody>
-          <a:bodyPr/>
-          <a:lstStyle/>
-          <a:p>
-            <a:r>
-              <a:rPr lang="zh-TW" altLang="en-US" dirty="0">
-                <a:latin typeface="標楷體" panose="03000509000000000000" pitchFamily="65" charset="-120"/>
-                <a:ea typeface="標楷體" panose="03000509000000000000" pitchFamily="65" charset="-120"/>
-              </a:rPr>
-              <a:t>測試資料集</a:t>
-            </a:r>
-          </a:p>
-        </p:txBody>
-      </p:sp>
-      <p:sp>
-        <p:nvSpPr>
-          <p:cNvPr id="3" name="內容版面配置區 2">
-            <a:extLst>
-              <a:ext uri="{FF2B5EF4-FFF2-40B4-BE49-F238E27FC236}">
-                <a16:creationId xmlns:a16="http://schemas.microsoft.com/office/drawing/2014/main" id="{08FDA176-4BF7-FA98-8346-7281E72C60BF}"/>
-              </a:ext>
-            </a:extLst>
-          </p:cNvPr>
-          <p:cNvSpPr>
-            <a:spLocks noGrp="1"/>
-          </p:cNvSpPr>
-          <p:nvPr>
-            <p:ph idx="1"/>
-          </p:nvPr>
-        </p:nvSpPr>
-        <p:spPr/>
-        <p:txBody>
-          <a:bodyPr/>
-          <a:lstStyle/>
-          <a:p>
-            <a:r>
-              <a:rPr lang="zh-TW" altLang="en-US" dirty="0">
-                <a:latin typeface="標楷體" panose="03000509000000000000" pitchFamily="65" charset="-120"/>
-                <a:ea typeface="標楷體" panose="03000509000000000000" pitchFamily="65" charset="-120"/>
-              </a:rPr>
-              <a:t>用了</a:t>
-            </a:r>
-            <a:r>
-              <a:rPr lang="en-US" altLang="zh-TW" dirty="0">
-                <a:latin typeface="標楷體" panose="03000509000000000000" pitchFamily="65" charset="-120"/>
-                <a:ea typeface="標楷體" panose="03000509000000000000" pitchFamily="65" charset="-120"/>
-              </a:rPr>
-              <a:t>59</a:t>
-            </a:r>
-            <a:r>
-              <a:rPr lang="zh-TW" altLang="en-US" dirty="0">
-                <a:latin typeface="標楷體" panose="03000509000000000000" pitchFamily="65" charset="-120"/>
-                <a:ea typeface="標楷體" panose="03000509000000000000" pitchFamily="65" charset="-120"/>
-              </a:rPr>
-              <a:t>張資料集做小規模測試</a:t>
-            </a:r>
-          </a:p>
-        </p:txBody>
-      </p:sp>
       <p:pic>
         <p:nvPicPr>
           <p:cNvPr id="5" name="圖片 4">
@@ -4606,7 +4570,7 @@
         </p:blipFill>
         <p:spPr>
           <a:xfrm>
-            <a:off x="461638" y="2532091"/>
+            <a:off x="391465" y="2982957"/>
             <a:ext cx="11409070" cy="3194006"/>
           </a:xfrm>
           <a:prstGeom prst="rect">
@@ -4614,6 +4578,82 @@
           </a:prstGeom>
         </p:spPr>
       </p:pic>
+      <p:sp>
+        <p:nvSpPr>
+          <p:cNvPr id="2" name="標題 1">
+            <a:extLst>
+              <a:ext uri="{FF2B5EF4-FFF2-40B4-BE49-F238E27FC236}">
+                <a16:creationId xmlns:a16="http://schemas.microsoft.com/office/drawing/2014/main" id="{3060F361-F797-AE52-D521-731FDAD82614}"/>
+              </a:ext>
+            </a:extLst>
+          </p:cNvPr>
+          <p:cNvSpPr>
+            <a:spLocks noGrp="1"/>
+          </p:cNvSpPr>
+          <p:nvPr>
+            <p:ph type="title"/>
+          </p:nvPr>
+        </p:nvSpPr>
+        <p:spPr/>
+        <p:txBody>
+          <a:bodyPr/>
+          <a:lstStyle/>
+          <a:p>
+            <a:r>
+              <a:rPr lang="zh-TW" altLang="en-US" dirty="0">
+                <a:latin typeface="標楷體" panose="03000509000000000000" pitchFamily="65" charset="-120"/>
+                <a:ea typeface="標楷體" panose="03000509000000000000" pitchFamily="65" charset="-120"/>
+              </a:rPr>
+              <a:t>測試資料集</a:t>
+            </a:r>
+          </a:p>
+        </p:txBody>
+      </p:sp>
+      <p:sp>
+        <p:nvSpPr>
+          <p:cNvPr id="3" name="內容版面配置區 2">
+            <a:extLst>
+              <a:ext uri="{FF2B5EF4-FFF2-40B4-BE49-F238E27FC236}">
+                <a16:creationId xmlns:a16="http://schemas.microsoft.com/office/drawing/2014/main" id="{08FDA176-4BF7-FA98-8346-7281E72C60BF}"/>
+              </a:ext>
+            </a:extLst>
+          </p:cNvPr>
+          <p:cNvSpPr>
+            <a:spLocks noGrp="1"/>
+          </p:cNvSpPr>
+          <p:nvPr>
+            <p:ph idx="1"/>
+          </p:nvPr>
+        </p:nvSpPr>
+        <p:spPr/>
+        <p:txBody>
+          <a:bodyPr/>
+          <a:lstStyle/>
+          <a:p>
+            <a:r>
+              <a:rPr lang="zh-TW" altLang="en-US" dirty="0">
+                <a:latin typeface="標楷體" panose="03000509000000000000" pitchFamily="65" charset="-120"/>
+                <a:ea typeface="標楷體" panose="03000509000000000000" pitchFamily="65" charset="-120"/>
+              </a:rPr>
+              <a:t>用了</a:t>
+            </a:r>
+            <a:r>
+              <a:rPr lang="en-US" altLang="zh-TW" dirty="0">
+                <a:latin typeface="標楷體" panose="03000509000000000000" pitchFamily="65" charset="-120"/>
+                <a:ea typeface="標楷體" panose="03000509000000000000" pitchFamily="65" charset="-120"/>
+              </a:rPr>
+              <a:t>59</a:t>
+            </a:r>
+            <a:r>
+              <a:rPr lang="zh-TW" altLang="en-US" dirty="0">
+                <a:latin typeface="標楷體" panose="03000509000000000000" pitchFamily="65" charset="-120"/>
+                <a:ea typeface="標楷體" panose="03000509000000000000" pitchFamily="65" charset="-120"/>
+              </a:rPr>
+              <a:t>張資料集做小規模測試，這些圖片都是另外拍攝影片再截取下來的，與訓練資料集不同。</a:t>
+            </a:r>
+          </a:p>
+        </p:txBody>
+      </p:sp>
     </p:spTree>
     <p:extLst>
       <p:ext uri="{BB962C8B-B14F-4D97-AF65-F5344CB8AC3E}">
@@ -4734,6 +4774,133 @@
           </a:prstGeom>
         </p:spPr>
       </p:pic>
+      <p:sp>
+        <p:nvSpPr>
+          <p:cNvPr id="3" name="文字方塊 2">
+            <a:extLst>
+              <a:ext uri="{FF2B5EF4-FFF2-40B4-BE49-F238E27FC236}">
+                <a16:creationId xmlns:a16="http://schemas.microsoft.com/office/drawing/2014/main" id="{EDFB1881-8A31-998E-CC6E-A682E5C06B21}"/>
+              </a:ext>
+            </a:extLst>
+          </p:cNvPr>
+          <p:cNvSpPr txBox="1"/>
+          <p:nvPr/>
+        </p:nvSpPr>
+        <p:spPr>
+          <a:xfrm>
+            <a:off x="10400876" y="1690688"/>
+            <a:ext cx="877163" cy="369332"/>
+          </a:xfrm>
+          <a:prstGeom prst="rect">
+            <a:avLst/>
+          </a:prstGeom>
+          <a:noFill/>
+        </p:spPr>
+        <p:txBody>
+          <a:bodyPr wrap="none" rtlCol="0">
+            <a:spAutoFit/>
+          </a:bodyPr>
+          <a:lstStyle/>
+          <a:p>
+            <a:r>
+              <a:rPr lang="zh-TW" altLang="en-US" dirty="0">
+                <a:solidFill>
+                  <a:srgbClr val="FF0000"/>
+                </a:solidFill>
+                <a:latin typeface="標楷體" panose="03000509000000000000" pitchFamily="65" charset="-120"/>
+                <a:ea typeface="標楷體" panose="03000509000000000000" pitchFamily="65" charset="-120"/>
+              </a:rPr>
+              <a:t>程式碼</a:t>
+            </a:r>
+          </a:p>
+        </p:txBody>
+      </p:sp>
+      <p:cxnSp>
+        <p:nvCxnSpPr>
+          <p:cNvPr id="6" name="直線單箭頭接點 5">
+            <a:extLst>
+              <a:ext uri="{FF2B5EF4-FFF2-40B4-BE49-F238E27FC236}">
+                <a16:creationId xmlns:a16="http://schemas.microsoft.com/office/drawing/2014/main" id="{D095C31E-5A50-81CF-595B-2E11450D2B06}"/>
+              </a:ext>
+            </a:extLst>
+          </p:cNvPr>
+          <p:cNvCxnSpPr>
+            <a:cxnSpLocks/>
+            <a:stCxn id="3" idx="1"/>
+          </p:cNvCxnSpPr>
+          <p:nvPr/>
+        </p:nvCxnSpPr>
+        <p:spPr>
+          <a:xfrm flipH="1">
+            <a:off x="10052511" y="1875354"/>
+            <a:ext cx="348365" cy="0"/>
+          </a:xfrm>
+          <a:prstGeom prst="straightConnector1">
+            <a:avLst/>
+          </a:prstGeom>
+          <a:ln>
+            <a:solidFill>
+              <a:srgbClr val="FF0000"/>
+            </a:solidFill>
+            <a:tailEnd type="triangle"/>
+          </a:ln>
+        </p:spPr>
+        <p:style>
+          <a:lnRef idx="1">
+            <a:schemeClr val="accent1"/>
+          </a:lnRef>
+          <a:fillRef idx="0">
+            <a:schemeClr val="accent1"/>
+          </a:fillRef>
+          <a:effectRef idx="0">
+            <a:schemeClr val="accent1"/>
+          </a:effectRef>
+          <a:fontRef idx="minor">
+            <a:schemeClr val="tx1"/>
+          </a:fontRef>
+        </p:style>
+      </p:cxnSp>
+      <p:sp>
+        <p:nvSpPr>
+          <p:cNvPr id="9" name="文字方塊 8">
+            <a:extLst>
+              <a:ext uri="{FF2B5EF4-FFF2-40B4-BE49-F238E27FC236}">
+                <a16:creationId xmlns:a16="http://schemas.microsoft.com/office/drawing/2014/main" id="{57E68A92-3127-9385-901D-DBC050B2DB65}"/>
+              </a:ext>
+            </a:extLst>
+          </p:cNvPr>
+          <p:cNvSpPr txBox="1"/>
+          <p:nvPr/>
+        </p:nvSpPr>
+        <p:spPr>
+          <a:xfrm>
+            <a:off x="7605890" y="3810275"/>
+            <a:ext cx="646331" cy="369332"/>
+          </a:xfrm>
+          <a:prstGeom prst="rect">
+            <a:avLst/>
+          </a:prstGeom>
+          <a:noFill/>
+        </p:spPr>
+        <p:txBody>
+          <a:bodyPr wrap="none" rtlCol="0">
+            <a:spAutoFit/>
+          </a:bodyPr>
+          <a:lstStyle/>
+          <a:p>
+            <a:r>
+              <a:rPr lang="zh-TW" altLang="en-US" dirty="0">
+                <a:solidFill>
+                  <a:srgbClr val="FF0000"/>
+                </a:solidFill>
+                <a:latin typeface="標楷體" panose="03000509000000000000" pitchFamily="65" charset="-120"/>
+                <a:ea typeface="標楷體" panose="03000509000000000000" pitchFamily="65" charset="-120"/>
+              </a:rPr>
+              <a:t>過程</a:t>
+            </a:r>
+          </a:p>
+        </p:txBody>
+      </p:sp>
     </p:spTree>
     <p:extLst>
       <p:ext uri="{BB962C8B-B14F-4D97-AF65-F5344CB8AC3E}">
